--- a/Templates/Template-3.pptx
+++ b/Templates/Template-3.pptx
@@ -149,7 +149,7 @@
           <a:p>
             <a:fld id="{D1CC32D1-298F-460F-B7DD-1E078394D21F}" type="datetimeFigureOut">
               <a:rPr lang="en-PH" smtClean="0"/>
-              <a:t>3/5/2025</a:t>
+              <a:t>3/6/2025</a:t>
             </a:fld>
             <a:endParaRPr lang="en-PH"/>
           </a:p>
@@ -227,8 +227,8 @@
         </p:nvSpPr>
         <p:spPr>
           <a:xfrm>
-            <a:off x="7081838" y="1931988"/>
-            <a:ext cx="4271962" cy="4217987"/>
+            <a:off x="7081837" y="1931990"/>
+            <a:ext cx="4271963" cy="4217987"/>
           </a:xfrm>
         </p:spPr>
         <p:txBody>
@@ -319,8 +319,8 @@
         </p:nvSpPr>
         <p:spPr>
           <a:xfrm>
-            <a:off x="-42293" y="136525"/>
-            <a:ext cx="6197980" cy="923330"/>
+            <a:off x="-42292" y="136525"/>
+            <a:ext cx="6197979" cy="923330"/>
           </a:xfrm>
           <a:prstGeom prst="rect">
             <a:avLst/>
@@ -406,7 +406,7 @@
           <a:p>
             <a:fld id="{D1CC32D1-298F-460F-B7DD-1E078394D21F}" type="datetimeFigureOut">
               <a:rPr lang="en-PH" smtClean="0"/>
-              <a:t>3/5/2025</a:t>
+              <a:t>3/6/2025</a:t>
             </a:fld>
             <a:endParaRPr lang="en-PH"/>
           </a:p>
@@ -484,8 +484,8 @@
         </p:nvSpPr>
         <p:spPr>
           <a:xfrm>
-            <a:off x="7081838" y="1931988"/>
-            <a:ext cx="4271962" cy="4217987"/>
+            <a:off x="7081837" y="1931990"/>
+            <a:ext cx="4271963" cy="4217987"/>
           </a:xfrm>
         </p:spPr>
         <p:txBody>
@@ -577,7 +577,7 @@
         <p:spPr>
           <a:xfrm>
             <a:off x="216915" y="136525"/>
-            <a:ext cx="5679568" cy="923330"/>
+            <a:ext cx="5679567" cy="923330"/>
           </a:xfrm>
           <a:prstGeom prst="rect">
             <a:avLst/>
@@ -625,7 +625,7 @@
 
 <file path=ppt/slideLayouts/slideLayout3.xml><?xml version="1.0" encoding="utf-8"?>
 <p:sldLayout xmlns:a="http://schemas.openxmlformats.org/drawingml/2006/main" xmlns:r="http://schemas.openxmlformats.org/officeDocument/2006/relationships" xmlns:p="http://schemas.openxmlformats.org/presentationml/2006/main" preserve="1" userDrawn="1">
-  <p:cSld name="PieChart">
+  <p:cSld name="PieChartStandard">
     <p:spTree>
       <p:nvGrpSpPr>
         <p:cNvPr id="1" name=""/>
@@ -663,7 +663,7 @@
           <a:p>
             <a:fld id="{D1CC32D1-298F-460F-B7DD-1E078394D21F}" type="datetimeFigureOut">
               <a:rPr lang="en-PH" smtClean="0"/>
-              <a:t>3/5/2025</a:t>
+              <a:t>3/6/2025</a:t>
             </a:fld>
             <a:endParaRPr lang="en-PH"/>
           </a:p>
@@ -741,8 +741,8 @@
         </p:nvSpPr>
         <p:spPr>
           <a:xfrm>
-            <a:off x="7081838" y="1931988"/>
-            <a:ext cx="4271962" cy="4217987"/>
+            <a:off x="7081837" y="1931990"/>
+            <a:ext cx="4271963" cy="4217987"/>
           </a:xfrm>
         </p:spPr>
         <p:txBody>
@@ -833,8 +833,8 @@
         </p:nvSpPr>
         <p:spPr>
           <a:xfrm>
-            <a:off x="1586582" y="136525"/>
-            <a:ext cx="2940228" cy="923330"/>
+            <a:off x="105988" y="136525"/>
+            <a:ext cx="5901424" cy="923330"/>
           </a:xfrm>
           <a:prstGeom prst="rect">
             <a:avLst/>
@@ -862,7 +862,7 @@
                   </a:outerShdw>
                 </a:effectLst>
               </a:rPr>
-              <a:t>Pie Chart</a:t>
+              <a:t>Pie Chart-Standard</a:t>
             </a:r>
           </a:p>
         </p:txBody>
@@ -881,6 +881,835 @@
 </file>
 
 <file path=ppt/slideLayouts/slideLayout4.xml><?xml version="1.0" encoding="utf-8"?>
+<p:sldLayout xmlns:a="http://schemas.openxmlformats.org/drawingml/2006/main" xmlns:r="http://schemas.openxmlformats.org/officeDocument/2006/relationships" xmlns:p="http://schemas.openxmlformats.org/presentationml/2006/main" preserve="1" userDrawn="1">
+  <p:cSld name="PieChartDoughnut">
+    <p:spTree>
+      <p:nvGrpSpPr>
+        <p:cNvPr id="1" name=""/>
+        <p:cNvGrpSpPr/>
+        <p:nvPr/>
+      </p:nvGrpSpPr>
+      <p:grpSpPr>
+        <a:xfrm>
+          <a:off x="0" y="0"/>
+          <a:ext cx="0" cy="0"/>
+          <a:chOff x="0" y="0"/>
+          <a:chExt cx="0" cy="0"/>
+        </a:xfrm>
+      </p:grpSpPr>
+      <p:sp>
+        <p:nvSpPr>
+          <p:cNvPr id="5" name="Date Placeholder 4">
+            <a:extLst>
+              <a:ext uri="{FF2B5EF4-FFF2-40B4-BE49-F238E27FC236}">
+                <a16:creationId xmlns:a16="http://schemas.microsoft.com/office/drawing/2014/main" id="{04983B4B-58DC-214F-66A2-149CA91DB26F}"/>
+              </a:ext>
+            </a:extLst>
+          </p:cNvPr>
+          <p:cNvSpPr>
+            <a:spLocks noGrp="1"/>
+          </p:cNvSpPr>
+          <p:nvPr>
+            <p:ph type="dt" sz="half" idx="10"/>
+          </p:nvPr>
+        </p:nvSpPr>
+        <p:spPr/>
+        <p:txBody>
+          <a:bodyPr/>
+          <a:lstStyle/>
+          <a:p>
+            <a:fld id="{D1CC32D1-298F-460F-B7DD-1E078394D21F}" type="datetimeFigureOut">
+              <a:rPr lang="en-PH" smtClean="0"/>
+              <a:t>3/6/2025</a:t>
+            </a:fld>
+            <a:endParaRPr lang="en-PH"/>
+          </a:p>
+        </p:txBody>
+      </p:sp>
+      <p:sp>
+        <p:nvSpPr>
+          <p:cNvPr id="6" name="Footer Placeholder 5">
+            <a:extLst>
+              <a:ext uri="{FF2B5EF4-FFF2-40B4-BE49-F238E27FC236}">
+                <a16:creationId xmlns:a16="http://schemas.microsoft.com/office/drawing/2014/main" id="{8793EE4B-41EF-76D1-C3CE-DD4CF143C6D2}"/>
+              </a:ext>
+            </a:extLst>
+          </p:cNvPr>
+          <p:cNvSpPr>
+            <a:spLocks noGrp="1"/>
+          </p:cNvSpPr>
+          <p:nvPr>
+            <p:ph type="ftr" sz="quarter" idx="11"/>
+          </p:nvPr>
+        </p:nvSpPr>
+        <p:spPr/>
+        <p:txBody>
+          <a:bodyPr/>
+          <a:lstStyle/>
+          <a:p>
+            <a:endParaRPr lang="en-PH"/>
+          </a:p>
+        </p:txBody>
+      </p:sp>
+      <p:sp>
+        <p:nvSpPr>
+          <p:cNvPr id="7" name="Slide Number Placeholder 6">
+            <a:extLst>
+              <a:ext uri="{FF2B5EF4-FFF2-40B4-BE49-F238E27FC236}">
+                <a16:creationId xmlns:a16="http://schemas.microsoft.com/office/drawing/2014/main" id="{74D6DAE9-B988-982E-DE47-34FCAE1C48CB}"/>
+              </a:ext>
+            </a:extLst>
+          </p:cNvPr>
+          <p:cNvSpPr>
+            <a:spLocks noGrp="1"/>
+          </p:cNvSpPr>
+          <p:nvPr>
+            <p:ph type="sldNum" sz="quarter" idx="12"/>
+          </p:nvPr>
+        </p:nvSpPr>
+        <p:spPr/>
+        <p:txBody>
+          <a:bodyPr/>
+          <a:lstStyle/>
+          <a:p>
+            <a:fld id="{D1C3CD72-0E40-44D9-9578-6A734B8CFAF7}" type="slidenum">
+              <a:rPr lang="en-PH" smtClean="0"/>
+              <a:t>‹#›</a:t>
+            </a:fld>
+            <a:endParaRPr lang="en-PH"/>
+          </a:p>
+        </p:txBody>
+      </p:sp>
+      <p:sp>
+        <p:nvSpPr>
+          <p:cNvPr id="11" name="Text Placeholder 10">
+            <a:extLst>
+              <a:ext uri="{FF2B5EF4-FFF2-40B4-BE49-F238E27FC236}">
+                <a16:creationId xmlns:a16="http://schemas.microsoft.com/office/drawing/2014/main" id="{06CA6FEC-F576-D9F1-D67C-7BF855740361}"/>
+              </a:ext>
+            </a:extLst>
+          </p:cNvPr>
+          <p:cNvSpPr>
+            <a:spLocks noGrp="1"/>
+          </p:cNvSpPr>
+          <p:nvPr>
+            <p:ph type="body" sz="quarter" idx="14"/>
+          </p:nvPr>
+        </p:nvSpPr>
+        <p:spPr>
+          <a:xfrm>
+            <a:off x="7081837" y="1931990"/>
+            <a:ext cx="4271963" cy="4217987"/>
+          </a:xfrm>
+        </p:spPr>
+        <p:txBody>
+          <a:bodyPr/>
+          <a:lstStyle/>
+          <a:p>
+            <a:pPr lvl="0"/>
+            <a:r>
+              <a:rPr lang="en-US" dirty="0"/>
+              <a:t>Click to edit Master text styles</a:t>
+            </a:r>
+          </a:p>
+          <a:p>
+            <a:pPr lvl="1"/>
+            <a:r>
+              <a:rPr lang="en-US" dirty="0"/>
+              <a:t>Second level</a:t>
+            </a:r>
+          </a:p>
+          <a:p>
+            <a:pPr lvl="2"/>
+            <a:r>
+              <a:rPr lang="en-US" dirty="0"/>
+              <a:t>Third level</a:t>
+            </a:r>
+          </a:p>
+          <a:p>
+            <a:pPr lvl="3"/>
+            <a:r>
+              <a:rPr lang="en-US" dirty="0"/>
+              <a:t>Fourth level</a:t>
+            </a:r>
+          </a:p>
+          <a:p>
+            <a:pPr lvl="4"/>
+            <a:r>
+              <a:rPr lang="en-US" dirty="0"/>
+              <a:t>Fifth level</a:t>
+            </a:r>
+            <a:endParaRPr lang="en-PH" dirty="0"/>
+          </a:p>
+        </p:txBody>
+      </p:sp>
+      <p:sp>
+        <p:nvSpPr>
+          <p:cNvPr id="9" name="Chart Placeholder 8">
+            <a:extLst>
+              <a:ext uri="{FF2B5EF4-FFF2-40B4-BE49-F238E27FC236}">
+                <a16:creationId xmlns:a16="http://schemas.microsoft.com/office/drawing/2014/main" id="{DD42AFF4-7A7B-E8D5-173D-2C3A2F2EB4EA}"/>
+              </a:ext>
+            </a:extLst>
+          </p:cNvPr>
+          <p:cNvSpPr>
+            <a:spLocks noGrp="1"/>
+          </p:cNvSpPr>
+          <p:nvPr>
+            <p:ph type="chart" sz="quarter" idx="13"/>
+          </p:nvPr>
+        </p:nvSpPr>
+        <p:spPr>
+          <a:xfrm>
+            <a:off x="838200" y="1931988"/>
+            <a:ext cx="6105525" cy="4217988"/>
+          </a:xfrm>
+          <a:solidFill>
+            <a:schemeClr val="bg1"/>
+          </a:solidFill>
+        </p:spPr>
+        <p:txBody>
+          <a:bodyPr/>
+          <a:lstStyle/>
+          <a:p>
+            <a:endParaRPr lang="en-PH"/>
+          </a:p>
+        </p:txBody>
+      </p:sp>
+      <p:sp>
+        <p:nvSpPr>
+          <p:cNvPr id="3" name="Rectangle 2">
+            <a:extLst>
+              <a:ext uri="{FF2B5EF4-FFF2-40B4-BE49-F238E27FC236}">
+                <a16:creationId xmlns:a16="http://schemas.microsoft.com/office/drawing/2014/main" id="{FDC589DB-7ADB-779D-E577-8F63EC40BCC8}"/>
+              </a:ext>
+            </a:extLst>
+          </p:cNvPr>
+          <p:cNvSpPr/>
+          <p:nvPr userDrawn="1"/>
+        </p:nvSpPr>
+        <p:spPr>
+          <a:xfrm>
+            <a:off x="-4266" y="136525"/>
+            <a:ext cx="6121932" cy="923330"/>
+          </a:xfrm>
+          <a:prstGeom prst="rect">
+            <a:avLst/>
+          </a:prstGeom>
+          <a:noFill/>
+        </p:spPr>
+        <p:txBody>
+          <a:bodyPr wrap="none" lIns="91440" tIns="45720" rIns="91440" bIns="45720">
+            <a:spAutoFit/>
+          </a:bodyPr>
+          <a:lstStyle/>
+          <a:p>
+            <a:pPr algn="ctr"/>
+            <a:r>
+              <a:rPr lang="en-US" sz="5400" b="0" cap="none" spc="0" dirty="0">
+                <a:ln w="0"/>
+                <a:solidFill>
+                  <a:schemeClr val="tx1"/>
+                </a:solidFill>
+                <a:effectLst>
+                  <a:outerShdw blurRad="38100" dist="19050" dir="2700000" algn="tl" rotWithShape="0">
+                    <a:schemeClr val="dk1">
+                      <a:alpha val="40000"/>
+                    </a:schemeClr>
+                  </a:outerShdw>
+                </a:effectLst>
+              </a:rPr>
+              <a:t>Pie Chart-Doughnut</a:t>
+            </a:r>
+          </a:p>
+        </p:txBody>
+      </p:sp>
+    </p:spTree>
+    <p:extLst>
+      <p:ext uri="{BB962C8B-B14F-4D97-AF65-F5344CB8AC3E}">
+        <p14:creationId xmlns:p14="http://schemas.microsoft.com/office/powerpoint/2010/main" val="2531702717"/>
+      </p:ext>
+    </p:extLst>
+  </p:cSld>
+  <p:clrMapOvr>
+    <a:masterClrMapping/>
+  </p:clrMapOvr>
+</p:sldLayout>
+</file>
+
+<file path=ppt/slideLayouts/slideLayout5.xml><?xml version="1.0" encoding="utf-8"?>
+<p:sldLayout xmlns:a="http://schemas.openxmlformats.org/drawingml/2006/main" xmlns:r="http://schemas.openxmlformats.org/officeDocument/2006/relationships" xmlns:p="http://schemas.openxmlformats.org/presentationml/2006/main" preserve="1" userDrawn="1">
+  <p:cSld name="PieChartxStandard">
+    <p:spTree>
+      <p:nvGrpSpPr>
+        <p:cNvPr id="1" name=""/>
+        <p:cNvGrpSpPr/>
+        <p:nvPr/>
+      </p:nvGrpSpPr>
+      <p:grpSpPr>
+        <a:xfrm>
+          <a:off x="0" y="0"/>
+          <a:ext cx="0" cy="0"/>
+          <a:chOff x="0" y="0"/>
+          <a:chExt cx="0" cy="0"/>
+        </a:xfrm>
+      </p:grpSpPr>
+      <p:sp>
+        <p:nvSpPr>
+          <p:cNvPr id="5" name="Date Placeholder 4">
+            <a:extLst>
+              <a:ext uri="{FF2B5EF4-FFF2-40B4-BE49-F238E27FC236}">
+                <a16:creationId xmlns:a16="http://schemas.microsoft.com/office/drawing/2014/main" id="{04983B4B-58DC-214F-66A2-149CA91DB26F}"/>
+              </a:ext>
+            </a:extLst>
+          </p:cNvPr>
+          <p:cNvSpPr>
+            <a:spLocks noGrp="1"/>
+          </p:cNvSpPr>
+          <p:nvPr>
+            <p:ph type="dt" sz="half" idx="10"/>
+          </p:nvPr>
+        </p:nvSpPr>
+        <p:spPr/>
+        <p:txBody>
+          <a:bodyPr/>
+          <a:lstStyle/>
+          <a:p>
+            <a:fld id="{D1CC32D1-298F-460F-B7DD-1E078394D21F}" type="datetimeFigureOut">
+              <a:rPr lang="en-PH" smtClean="0"/>
+              <a:t>3/6/2025</a:t>
+            </a:fld>
+            <a:endParaRPr lang="en-PH"/>
+          </a:p>
+        </p:txBody>
+      </p:sp>
+      <p:sp>
+        <p:nvSpPr>
+          <p:cNvPr id="6" name="Footer Placeholder 5">
+            <a:extLst>
+              <a:ext uri="{FF2B5EF4-FFF2-40B4-BE49-F238E27FC236}">
+                <a16:creationId xmlns:a16="http://schemas.microsoft.com/office/drawing/2014/main" id="{8793EE4B-41EF-76D1-C3CE-DD4CF143C6D2}"/>
+              </a:ext>
+            </a:extLst>
+          </p:cNvPr>
+          <p:cNvSpPr>
+            <a:spLocks noGrp="1"/>
+          </p:cNvSpPr>
+          <p:nvPr>
+            <p:ph type="ftr" sz="quarter" idx="11"/>
+          </p:nvPr>
+        </p:nvSpPr>
+        <p:spPr/>
+        <p:txBody>
+          <a:bodyPr/>
+          <a:lstStyle/>
+          <a:p>
+            <a:endParaRPr lang="en-PH"/>
+          </a:p>
+        </p:txBody>
+      </p:sp>
+      <p:sp>
+        <p:nvSpPr>
+          <p:cNvPr id="7" name="Slide Number Placeholder 6">
+            <a:extLst>
+              <a:ext uri="{FF2B5EF4-FFF2-40B4-BE49-F238E27FC236}">
+                <a16:creationId xmlns:a16="http://schemas.microsoft.com/office/drawing/2014/main" id="{74D6DAE9-B988-982E-DE47-34FCAE1C48CB}"/>
+              </a:ext>
+            </a:extLst>
+          </p:cNvPr>
+          <p:cNvSpPr>
+            <a:spLocks noGrp="1"/>
+          </p:cNvSpPr>
+          <p:nvPr>
+            <p:ph type="sldNum" sz="quarter" idx="12"/>
+          </p:nvPr>
+        </p:nvSpPr>
+        <p:spPr/>
+        <p:txBody>
+          <a:bodyPr/>
+          <a:lstStyle/>
+          <a:p>
+            <a:fld id="{D1C3CD72-0E40-44D9-9578-6A734B8CFAF7}" type="slidenum">
+              <a:rPr lang="en-PH" smtClean="0"/>
+              <a:t>‹#›</a:t>
+            </a:fld>
+            <a:endParaRPr lang="en-PH"/>
+          </a:p>
+        </p:txBody>
+      </p:sp>
+      <p:sp>
+        <p:nvSpPr>
+          <p:cNvPr id="11" name="Text Placeholder 10">
+            <a:extLst>
+              <a:ext uri="{FF2B5EF4-FFF2-40B4-BE49-F238E27FC236}">
+                <a16:creationId xmlns:a16="http://schemas.microsoft.com/office/drawing/2014/main" id="{06CA6FEC-F576-D9F1-D67C-7BF855740361}"/>
+              </a:ext>
+            </a:extLst>
+          </p:cNvPr>
+          <p:cNvSpPr>
+            <a:spLocks noGrp="1"/>
+          </p:cNvSpPr>
+          <p:nvPr>
+            <p:ph type="body" sz="quarter" idx="14"/>
+          </p:nvPr>
+        </p:nvSpPr>
+        <p:spPr>
+          <a:xfrm>
+            <a:off x="7081837" y="1931990"/>
+            <a:ext cx="4271963" cy="4217987"/>
+          </a:xfrm>
+        </p:spPr>
+        <p:txBody>
+          <a:bodyPr/>
+          <a:lstStyle/>
+          <a:p>
+            <a:pPr lvl="0"/>
+            <a:r>
+              <a:rPr lang="en-US" dirty="0"/>
+              <a:t>Click to edit Master text styles</a:t>
+            </a:r>
+          </a:p>
+          <a:p>
+            <a:pPr lvl="1"/>
+            <a:r>
+              <a:rPr lang="en-US" dirty="0"/>
+              <a:t>Second level</a:t>
+            </a:r>
+          </a:p>
+          <a:p>
+            <a:pPr lvl="2"/>
+            <a:r>
+              <a:rPr lang="en-US" dirty="0"/>
+              <a:t>Third level</a:t>
+            </a:r>
+          </a:p>
+          <a:p>
+            <a:pPr lvl="3"/>
+            <a:r>
+              <a:rPr lang="en-US" dirty="0"/>
+              <a:t>Fourth level</a:t>
+            </a:r>
+          </a:p>
+          <a:p>
+            <a:pPr lvl="4"/>
+            <a:r>
+              <a:rPr lang="en-US" dirty="0"/>
+              <a:t>Fifth level</a:t>
+            </a:r>
+            <a:endParaRPr lang="en-PH" dirty="0"/>
+          </a:p>
+        </p:txBody>
+      </p:sp>
+      <p:sp>
+        <p:nvSpPr>
+          <p:cNvPr id="9" name="Chart Placeholder 8">
+            <a:extLst>
+              <a:ext uri="{FF2B5EF4-FFF2-40B4-BE49-F238E27FC236}">
+                <a16:creationId xmlns:a16="http://schemas.microsoft.com/office/drawing/2014/main" id="{DD42AFF4-7A7B-E8D5-173D-2C3A2F2EB4EA}"/>
+              </a:ext>
+            </a:extLst>
+          </p:cNvPr>
+          <p:cNvSpPr>
+            <a:spLocks noGrp="1"/>
+          </p:cNvSpPr>
+          <p:nvPr>
+            <p:ph type="chart" sz="quarter" idx="13"/>
+          </p:nvPr>
+        </p:nvSpPr>
+        <p:spPr>
+          <a:xfrm>
+            <a:off x="838200" y="1931988"/>
+            <a:ext cx="6105525" cy="4217988"/>
+          </a:xfrm>
+          <a:solidFill>
+            <a:schemeClr val="bg1"/>
+          </a:solidFill>
+        </p:spPr>
+        <p:txBody>
+          <a:bodyPr/>
+          <a:lstStyle/>
+          <a:p>
+            <a:endParaRPr lang="en-PH"/>
+          </a:p>
+        </p:txBody>
+      </p:sp>
+      <p:sp>
+        <p:nvSpPr>
+          <p:cNvPr id="3" name="Rectangle 2">
+            <a:extLst>
+              <a:ext uri="{FF2B5EF4-FFF2-40B4-BE49-F238E27FC236}">
+                <a16:creationId xmlns:a16="http://schemas.microsoft.com/office/drawing/2014/main" id="{FDC589DB-7ADB-779D-E577-8F63EC40BCC8}"/>
+              </a:ext>
+            </a:extLst>
+          </p:cNvPr>
+          <p:cNvSpPr/>
+          <p:nvPr userDrawn="1"/>
+        </p:nvSpPr>
+        <p:spPr>
+          <a:xfrm>
+            <a:off x="-46266" y="136525"/>
+            <a:ext cx="6205931" cy="923330"/>
+          </a:xfrm>
+          <a:prstGeom prst="rect">
+            <a:avLst/>
+          </a:prstGeom>
+          <a:noFill/>
+        </p:spPr>
+        <p:txBody>
+          <a:bodyPr wrap="none" lIns="91440" tIns="45720" rIns="91440" bIns="45720">
+            <a:spAutoFit/>
+          </a:bodyPr>
+          <a:lstStyle/>
+          <a:p>
+            <a:pPr algn="ctr"/>
+            <a:r>
+              <a:rPr lang="en-US" sz="5400" b="0" cap="none" spc="0" dirty="0">
+                <a:ln w="0"/>
+                <a:solidFill>
+                  <a:schemeClr val="tx1"/>
+                </a:solidFill>
+                <a:effectLst>
+                  <a:outerShdw blurRad="38100" dist="19050" dir="2700000" algn="tl" rotWithShape="0">
+                    <a:schemeClr val="dk1">
+                      <a:alpha val="40000"/>
+                    </a:schemeClr>
+                  </a:outerShdw>
+                </a:effectLst>
+              </a:rPr>
+              <a:t>Pie Chart-</a:t>
+            </a:r>
+            <a:r>
+              <a:rPr lang="en-US" sz="5400" b="0" cap="none" spc="0" dirty="0" err="1">
+                <a:ln w="0"/>
+                <a:solidFill>
+                  <a:schemeClr val="tx1"/>
+                </a:solidFill>
+                <a:effectLst>
+                  <a:outerShdw blurRad="38100" dist="19050" dir="2700000" algn="tl" rotWithShape="0">
+                    <a:schemeClr val="dk1">
+                      <a:alpha val="40000"/>
+                    </a:schemeClr>
+                  </a:outerShdw>
+                </a:effectLst>
+              </a:rPr>
+              <a:t>xStandard</a:t>
+            </a:r>
+            <a:endParaRPr lang="en-US" sz="5400" b="0" cap="none" spc="0" dirty="0">
+              <a:ln w="0"/>
+              <a:solidFill>
+                <a:schemeClr val="tx1"/>
+              </a:solidFill>
+              <a:effectLst>
+                <a:outerShdw blurRad="38100" dist="19050" dir="2700000" algn="tl" rotWithShape="0">
+                  <a:schemeClr val="dk1">
+                    <a:alpha val="40000"/>
+                  </a:schemeClr>
+                </a:outerShdw>
+              </a:effectLst>
+            </a:endParaRPr>
+          </a:p>
+        </p:txBody>
+      </p:sp>
+    </p:spTree>
+    <p:extLst>
+      <p:ext uri="{BB962C8B-B14F-4D97-AF65-F5344CB8AC3E}">
+        <p14:creationId xmlns:p14="http://schemas.microsoft.com/office/powerpoint/2010/main" val="1079936374"/>
+      </p:ext>
+    </p:extLst>
+  </p:cSld>
+  <p:clrMapOvr>
+    <a:masterClrMapping/>
+  </p:clrMapOvr>
+</p:sldLayout>
+</file>
+
+<file path=ppt/slideLayouts/slideLayout6.xml><?xml version="1.0" encoding="utf-8"?>
+<p:sldLayout xmlns:a="http://schemas.openxmlformats.org/drawingml/2006/main" xmlns:r="http://schemas.openxmlformats.org/officeDocument/2006/relationships" xmlns:p="http://schemas.openxmlformats.org/presentationml/2006/main" preserve="1" userDrawn="1">
+  <p:cSld name="PieChartxDoughnut">
+    <p:spTree>
+      <p:nvGrpSpPr>
+        <p:cNvPr id="1" name=""/>
+        <p:cNvGrpSpPr/>
+        <p:nvPr/>
+      </p:nvGrpSpPr>
+      <p:grpSpPr>
+        <a:xfrm>
+          <a:off x="0" y="0"/>
+          <a:ext cx="0" cy="0"/>
+          <a:chOff x="0" y="0"/>
+          <a:chExt cx="0" cy="0"/>
+        </a:xfrm>
+      </p:grpSpPr>
+      <p:sp>
+        <p:nvSpPr>
+          <p:cNvPr id="5" name="Date Placeholder 4">
+            <a:extLst>
+              <a:ext uri="{FF2B5EF4-FFF2-40B4-BE49-F238E27FC236}">
+                <a16:creationId xmlns:a16="http://schemas.microsoft.com/office/drawing/2014/main" id="{04983B4B-58DC-214F-66A2-149CA91DB26F}"/>
+              </a:ext>
+            </a:extLst>
+          </p:cNvPr>
+          <p:cNvSpPr>
+            <a:spLocks noGrp="1"/>
+          </p:cNvSpPr>
+          <p:nvPr>
+            <p:ph type="dt" sz="half" idx="10"/>
+          </p:nvPr>
+        </p:nvSpPr>
+        <p:spPr/>
+        <p:txBody>
+          <a:bodyPr/>
+          <a:lstStyle/>
+          <a:p>
+            <a:fld id="{D1CC32D1-298F-460F-B7DD-1E078394D21F}" type="datetimeFigureOut">
+              <a:rPr lang="en-PH" smtClean="0"/>
+              <a:t>3/6/2025</a:t>
+            </a:fld>
+            <a:endParaRPr lang="en-PH"/>
+          </a:p>
+        </p:txBody>
+      </p:sp>
+      <p:sp>
+        <p:nvSpPr>
+          <p:cNvPr id="6" name="Footer Placeholder 5">
+            <a:extLst>
+              <a:ext uri="{FF2B5EF4-FFF2-40B4-BE49-F238E27FC236}">
+                <a16:creationId xmlns:a16="http://schemas.microsoft.com/office/drawing/2014/main" id="{8793EE4B-41EF-76D1-C3CE-DD4CF143C6D2}"/>
+              </a:ext>
+            </a:extLst>
+          </p:cNvPr>
+          <p:cNvSpPr>
+            <a:spLocks noGrp="1"/>
+          </p:cNvSpPr>
+          <p:nvPr>
+            <p:ph type="ftr" sz="quarter" idx="11"/>
+          </p:nvPr>
+        </p:nvSpPr>
+        <p:spPr/>
+        <p:txBody>
+          <a:bodyPr/>
+          <a:lstStyle/>
+          <a:p>
+            <a:endParaRPr lang="en-PH"/>
+          </a:p>
+        </p:txBody>
+      </p:sp>
+      <p:sp>
+        <p:nvSpPr>
+          <p:cNvPr id="7" name="Slide Number Placeholder 6">
+            <a:extLst>
+              <a:ext uri="{FF2B5EF4-FFF2-40B4-BE49-F238E27FC236}">
+                <a16:creationId xmlns:a16="http://schemas.microsoft.com/office/drawing/2014/main" id="{74D6DAE9-B988-982E-DE47-34FCAE1C48CB}"/>
+              </a:ext>
+            </a:extLst>
+          </p:cNvPr>
+          <p:cNvSpPr>
+            <a:spLocks noGrp="1"/>
+          </p:cNvSpPr>
+          <p:nvPr>
+            <p:ph type="sldNum" sz="quarter" idx="12"/>
+          </p:nvPr>
+        </p:nvSpPr>
+        <p:spPr/>
+        <p:txBody>
+          <a:bodyPr/>
+          <a:lstStyle/>
+          <a:p>
+            <a:fld id="{D1C3CD72-0E40-44D9-9578-6A734B8CFAF7}" type="slidenum">
+              <a:rPr lang="en-PH" smtClean="0"/>
+              <a:t>‹#›</a:t>
+            </a:fld>
+            <a:endParaRPr lang="en-PH"/>
+          </a:p>
+        </p:txBody>
+      </p:sp>
+      <p:sp>
+        <p:nvSpPr>
+          <p:cNvPr id="11" name="Text Placeholder 10">
+            <a:extLst>
+              <a:ext uri="{FF2B5EF4-FFF2-40B4-BE49-F238E27FC236}">
+                <a16:creationId xmlns:a16="http://schemas.microsoft.com/office/drawing/2014/main" id="{06CA6FEC-F576-D9F1-D67C-7BF855740361}"/>
+              </a:ext>
+            </a:extLst>
+          </p:cNvPr>
+          <p:cNvSpPr>
+            <a:spLocks noGrp="1"/>
+          </p:cNvSpPr>
+          <p:nvPr>
+            <p:ph type="body" sz="quarter" idx="14"/>
+          </p:nvPr>
+        </p:nvSpPr>
+        <p:spPr>
+          <a:xfrm>
+            <a:off x="7081837" y="1931990"/>
+            <a:ext cx="4271963" cy="4217987"/>
+          </a:xfrm>
+        </p:spPr>
+        <p:txBody>
+          <a:bodyPr/>
+          <a:lstStyle/>
+          <a:p>
+            <a:pPr lvl="0"/>
+            <a:r>
+              <a:rPr lang="en-US" dirty="0"/>
+              <a:t>Click to edit Master text styles</a:t>
+            </a:r>
+          </a:p>
+          <a:p>
+            <a:pPr lvl="1"/>
+            <a:r>
+              <a:rPr lang="en-US" dirty="0"/>
+              <a:t>Second level</a:t>
+            </a:r>
+          </a:p>
+          <a:p>
+            <a:pPr lvl="2"/>
+            <a:r>
+              <a:rPr lang="en-US" dirty="0"/>
+              <a:t>Third level</a:t>
+            </a:r>
+          </a:p>
+          <a:p>
+            <a:pPr lvl="3"/>
+            <a:r>
+              <a:rPr lang="en-US" dirty="0"/>
+              <a:t>Fourth level</a:t>
+            </a:r>
+          </a:p>
+          <a:p>
+            <a:pPr lvl="4"/>
+            <a:r>
+              <a:rPr lang="en-US" dirty="0"/>
+              <a:t>Fifth level</a:t>
+            </a:r>
+            <a:endParaRPr lang="en-PH" dirty="0"/>
+          </a:p>
+        </p:txBody>
+      </p:sp>
+      <p:sp>
+        <p:nvSpPr>
+          <p:cNvPr id="9" name="Chart Placeholder 8">
+            <a:extLst>
+              <a:ext uri="{FF2B5EF4-FFF2-40B4-BE49-F238E27FC236}">
+                <a16:creationId xmlns:a16="http://schemas.microsoft.com/office/drawing/2014/main" id="{DD42AFF4-7A7B-E8D5-173D-2C3A2F2EB4EA}"/>
+              </a:ext>
+            </a:extLst>
+          </p:cNvPr>
+          <p:cNvSpPr>
+            <a:spLocks noGrp="1"/>
+          </p:cNvSpPr>
+          <p:nvPr>
+            <p:ph type="chart" sz="quarter" idx="13"/>
+          </p:nvPr>
+        </p:nvSpPr>
+        <p:spPr>
+          <a:xfrm>
+            <a:off x="838200" y="1931988"/>
+            <a:ext cx="6105525" cy="4217988"/>
+          </a:xfrm>
+          <a:solidFill>
+            <a:schemeClr val="bg1"/>
+          </a:solidFill>
+        </p:spPr>
+        <p:txBody>
+          <a:bodyPr/>
+          <a:lstStyle/>
+          <a:p>
+            <a:endParaRPr lang="en-PH"/>
+          </a:p>
+        </p:txBody>
+      </p:sp>
+      <p:sp>
+        <p:nvSpPr>
+          <p:cNvPr id="3" name="Rectangle 2">
+            <a:extLst>
+              <a:ext uri="{FF2B5EF4-FFF2-40B4-BE49-F238E27FC236}">
+                <a16:creationId xmlns:a16="http://schemas.microsoft.com/office/drawing/2014/main" id="{FDC589DB-7ADB-779D-E577-8F63EC40BCC8}"/>
+              </a:ext>
+            </a:extLst>
+          </p:cNvPr>
+          <p:cNvSpPr/>
+          <p:nvPr userDrawn="1"/>
+        </p:nvSpPr>
+        <p:spPr>
+          <a:xfrm>
+            <a:off x="-157353" y="136525"/>
+            <a:ext cx="6428106" cy="923330"/>
+          </a:xfrm>
+          <a:prstGeom prst="rect">
+            <a:avLst/>
+          </a:prstGeom>
+          <a:noFill/>
+        </p:spPr>
+        <p:txBody>
+          <a:bodyPr wrap="none" lIns="91440" tIns="45720" rIns="91440" bIns="45720">
+            <a:spAutoFit/>
+          </a:bodyPr>
+          <a:lstStyle/>
+          <a:p>
+            <a:pPr algn="ctr"/>
+            <a:r>
+              <a:rPr lang="en-US" sz="5400" b="0" cap="none" spc="0" dirty="0">
+                <a:ln w="0"/>
+                <a:solidFill>
+                  <a:schemeClr val="tx1"/>
+                </a:solidFill>
+                <a:effectLst>
+                  <a:outerShdw blurRad="38100" dist="19050" dir="2700000" algn="tl" rotWithShape="0">
+                    <a:schemeClr val="dk1">
+                      <a:alpha val="40000"/>
+                    </a:schemeClr>
+                  </a:outerShdw>
+                </a:effectLst>
+              </a:rPr>
+              <a:t>Pie Chart-</a:t>
+            </a:r>
+            <a:r>
+              <a:rPr lang="en-US" sz="5400" b="0" cap="none" spc="0" dirty="0" err="1">
+                <a:ln w="0"/>
+                <a:solidFill>
+                  <a:schemeClr val="tx1"/>
+                </a:solidFill>
+                <a:effectLst>
+                  <a:outerShdw blurRad="38100" dist="19050" dir="2700000" algn="tl" rotWithShape="0">
+                    <a:schemeClr val="dk1">
+                      <a:alpha val="40000"/>
+                    </a:schemeClr>
+                  </a:outerShdw>
+                </a:effectLst>
+              </a:rPr>
+              <a:t>xDoughnut</a:t>
+            </a:r>
+            <a:endParaRPr lang="en-US" sz="5400" b="0" cap="none" spc="0" dirty="0">
+              <a:ln w="0"/>
+              <a:solidFill>
+                <a:schemeClr val="tx1"/>
+              </a:solidFill>
+              <a:effectLst>
+                <a:outerShdw blurRad="38100" dist="19050" dir="2700000" algn="tl" rotWithShape="0">
+                  <a:schemeClr val="dk1">
+                    <a:alpha val="40000"/>
+                  </a:schemeClr>
+                </a:outerShdw>
+              </a:effectLst>
+            </a:endParaRPr>
+          </a:p>
+        </p:txBody>
+      </p:sp>
+    </p:spTree>
+    <p:extLst>
+      <p:ext uri="{BB962C8B-B14F-4D97-AF65-F5344CB8AC3E}">
+        <p14:creationId xmlns:p14="http://schemas.microsoft.com/office/powerpoint/2010/main" val="2914297188"/>
+      </p:ext>
+    </p:extLst>
+  </p:cSld>
+  <p:clrMapOvr>
+    <a:masterClrMapping/>
+  </p:clrMapOvr>
+</p:sldLayout>
+</file>
+
+<file path=ppt/slideLayouts/slideLayout7.xml><?xml version="1.0" encoding="utf-8"?>
 <p:sldLayout xmlns:a="http://schemas.openxmlformats.org/drawingml/2006/main" xmlns:r="http://schemas.openxmlformats.org/officeDocument/2006/relationships" xmlns:p="http://schemas.openxmlformats.org/presentationml/2006/main" preserve="1" userDrawn="1">
   <p:cSld name="LineChart">
     <p:bg>
@@ -928,7 +1757,7 @@
           <a:p>
             <a:fld id="{D1CC32D1-298F-460F-B7DD-1E078394D21F}" type="datetimeFigureOut">
               <a:rPr lang="en-PH" smtClean="0"/>
-              <a:t>3/5/2025</a:t>
+              <a:t>3/6/2025</a:t>
             </a:fld>
             <a:endParaRPr lang="en-PH"/>
           </a:p>
@@ -1006,8 +1835,8 @@
         </p:nvSpPr>
         <p:spPr>
           <a:xfrm>
-            <a:off x="7081838" y="1931988"/>
-            <a:ext cx="4271962" cy="4217987"/>
+            <a:off x="7081837" y="1931990"/>
+            <a:ext cx="4271963" cy="4217987"/>
           </a:xfrm>
         </p:spPr>
         <p:txBody>
@@ -1098,8 +1927,8 @@
         </p:nvSpPr>
         <p:spPr>
           <a:xfrm>
-            <a:off x="1422274" y="136525"/>
-            <a:ext cx="3268845" cy="923330"/>
+            <a:off x="1422277" y="136525"/>
+            <a:ext cx="3268844" cy="923330"/>
           </a:xfrm>
           <a:prstGeom prst="rect">
             <a:avLst/>
@@ -1185,7 +2014,7 @@
         </p:nvSpPr>
         <p:spPr>
           <a:xfrm>
-            <a:off x="838200" y="365125"/>
+            <a:off x="838200" y="365127"/>
             <a:ext cx="10515600" cy="1325563"/>
           </a:xfrm>
           <a:prstGeom prst="rect">
@@ -1292,7 +2121,7 @@
         </p:nvSpPr>
         <p:spPr>
           <a:xfrm>
-            <a:off x="838200" y="6356350"/>
+            <a:off x="838200" y="6356352"/>
             <a:ext cx="2743200" cy="365125"/>
           </a:xfrm>
           <a:prstGeom prst="rect">
@@ -1315,7 +2144,7 @@
           <a:p>
             <a:fld id="{D1CC32D1-298F-460F-B7DD-1E078394D21F}" type="datetimeFigureOut">
               <a:rPr lang="en-PH" smtClean="0"/>
-              <a:t>3/5/2025</a:t>
+              <a:t>3/6/2025</a:t>
             </a:fld>
             <a:endParaRPr lang="en-PH"/>
           </a:p>
@@ -1339,7 +2168,7 @@
         </p:nvSpPr>
         <p:spPr>
           <a:xfrm>
-            <a:off x="4038600" y="6356350"/>
+            <a:off x="4038600" y="6356352"/>
             <a:ext cx="4114800" cy="365125"/>
           </a:xfrm>
           <a:prstGeom prst="rect">
@@ -1382,7 +2211,7 @@
         </p:nvSpPr>
         <p:spPr>
           <a:xfrm>
-            <a:off x="8610600" y="6356350"/>
+            <a:off x="8610600" y="6356352"/>
             <a:ext cx="2743200" cy="365125"/>
           </a:xfrm>
           <a:prstGeom prst="rect">
@@ -1423,7 +2252,10 @@
     <p:sldLayoutId id="2147483652" r:id="rId1"/>
     <p:sldLayoutId id="2147483655" r:id="rId2"/>
     <p:sldLayoutId id="2147483653" r:id="rId3"/>
-    <p:sldLayoutId id="2147483654" r:id="rId4"/>
+    <p:sldLayoutId id="2147483656" r:id="rId4"/>
+    <p:sldLayoutId id="2147483657" r:id="rId5"/>
+    <p:sldLayoutId id="2147483658" r:id="rId6"/>
+    <p:sldLayoutId id="2147483654" r:id="rId7"/>
   </p:sldLayoutIdLst>
   <p:txStyles>
     <p:titleStyle>

--- a/Templates/Template-3.pptx
+++ b/Templates/Template-3.pptx
@@ -149,7 +149,7 @@
           <a:p>
             <a:fld id="{D1CC32D1-298F-460F-B7DD-1E078394D21F}" type="datetimeFigureOut">
               <a:rPr lang="en-PH" smtClean="0"/>
-              <a:t>3/6/2025</a:t>
+              <a:t>3/7/2025</a:t>
             </a:fld>
             <a:endParaRPr lang="en-PH"/>
           </a:p>
@@ -406,7 +406,7 @@
           <a:p>
             <a:fld id="{D1CC32D1-298F-460F-B7DD-1E078394D21F}" type="datetimeFigureOut">
               <a:rPr lang="en-PH" smtClean="0"/>
-              <a:t>3/6/2025</a:t>
+              <a:t>3/7/2025</a:t>
             </a:fld>
             <a:endParaRPr lang="en-PH"/>
           </a:p>
@@ -624,6 +624,263 @@
 </file>
 
 <file path=ppt/slideLayouts/slideLayout3.xml><?xml version="1.0" encoding="utf-8"?>
+<p:sldLayout xmlns:a="http://schemas.openxmlformats.org/drawingml/2006/main" xmlns:r="http://schemas.openxmlformats.org/officeDocument/2006/relationships" xmlns:p="http://schemas.openxmlformats.org/presentationml/2006/main" preserve="1" userDrawn="1">
+  <p:cSld name="BarChart100Stacked">
+    <p:spTree>
+      <p:nvGrpSpPr>
+        <p:cNvPr id="1" name=""/>
+        <p:cNvGrpSpPr/>
+        <p:nvPr/>
+      </p:nvGrpSpPr>
+      <p:grpSpPr>
+        <a:xfrm>
+          <a:off x="0" y="0"/>
+          <a:ext cx="0" cy="0"/>
+          <a:chOff x="0" y="0"/>
+          <a:chExt cx="0" cy="0"/>
+        </a:xfrm>
+      </p:grpSpPr>
+      <p:sp>
+        <p:nvSpPr>
+          <p:cNvPr id="5" name="Date Placeholder 4">
+            <a:extLst>
+              <a:ext uri="{FF2B5EF4-FFF2-40B4-BE49-F238E27FC236}">
+                <a16:creationId xmlns:a16="http://schemas.microsoft.com/office/drawing/2014/main" id="{04983B4B-58DC-214F-66A2-149CA91DB26F}"/>
+              </a:ext>
+            </a:extLst>
+          </p:cNvPr>
+          <p:cNvSpPr>
+            <a:spLocks noGrp="1"/>
+          </p:cNvSpPr>
+          <p:nvPr>
+            <p:ph type="dt" sz="half" idx="10"/>
+          </p:nvPr>
+        </p:nvSpPr>
+        <p:spPr/>
+        <p:txBody>
+          <a:bodyPr/>
+          <a:lstStyle/>
+          <a:p>
+            <a:fld id="{D1CC32D1-298F-460F-B7DD-1E078394D21F}" type="datetimeFigureOut">
+              <a:rPr lang="en-PH" smtClean="0"/>
+              <a:t>3/7/2025</a:t>
+            </a:fld>
+            <a:endParaRPr lang="en-PH"/>
+          </a:p>
+        </p:txBody>
+      </p:sp>
+      <p:sp>
+        <p:nvSpPr>
+          <p:cNvPr id="6" name="Footer Placeholder 5">
+            <a:extLst>
+              <a:ext uri="{FF2B5EF4-FFF2-40B4-BE49-F238E27FC236}">
+                <a16:creationId xmlns:a16="http://schemas.microsoft.com/office/drawing/2014/main" id="{8793EE4B-41EF-76D1-C3CE-DD4CF143C6D2}"/>
+              </a:ext>
+            </a:extLst>
+          </p:cNvPr>
+          <p:cNvSpPr>
+            <a:spLocks noGrp="1"/>
+          </p:cNvSpPr>
+          <p:nvPr>
+            <p:ph type="ftr" sz="quarter" idx="11"/>
+          </p:nvPr>
+        </p:nvSpPr>
+        <p:spPr/>
+        <p:txBody>
+          <a:bodyPr/>
+          <a:lstStyle/>
+          <a:p>
+            <a:endParaRPr lang="en-PH"/>
+          </a:p>
+        </p:txBody>
+      </p:sp>
+      <p:sp>
+        <p:nvSpPr>
+          <p:cNvPr id="7" name="Slide Number Placeholder 6">
+            <a:extLst>
+              <a:ext uri="{FF2B5EF4-FFF2-40B4-BE49-F238E27FC236}">
+                <a16:creationId xmlns:a16="http://schemas.microsoft.com/office/drawing/2014/main" id="{74D6DAE9-B988-982E-DE47-34FCAE1C48CB}"/>
+              </a:ext>
+            </a:extLst>
+          </p:cNvPr>
+          <p:cNvSpPr>
+            <a:spLocks noGrp="1"/>
+          </p:cNvSpPr>
+          <p:nvPr>
+            <p:ph type="sldNum" sz="quarter" idx="12"/>
+          </p:nvPr>
+        </p:nvSpPr>
+        <p:spPr/>
+        <p:txBody>
+          <a:bodyPr/>
+          <a:lstStyle/>
+          <a:p>
+            <a:fld id="{D1C3CD72-0E40-44D9-9578-6A734B8CFAF7}" type="slidenum">
+              <a:rPr lang="en-PH" smtClean="0"/>
+              <a:t>‹#›</a:t>
+            </a:fld>
+            <a:endParaRPr lang="en-PH"/>
+          </a:p>
+        </p:txBody>
+      </p:sp>
+      <p:sp>
+        <p:nvSpPr>
+          <p:cNvPr id="11" name="Text Placeholder 10">
+            <a:extLst>
+              <a:ext uri="{FF2B5EF4-FFF2-40B4-BE49-F238E27FC236}">
+                <a16:creationId xmlns:a16="http://schemas.microsoft.com/office/drawing/2014/main" id="{06CA6FEC-F576-D9F1-D67C-7BF855740361}"/>
+              </a:ext>
+            </a:extLst>
+          </p:cNvPr>
+          <p:cNvSpPr>
+            <a:spLocks noGrp="1"/>
+          </p:cNvSpPr>
+          <p:nvPr>
+            <p:ph type="body" sz="quarter" idx="14"/>
+          </p:nvPr>
+        </p:nvSpPr>
+        <p:spPr>
+          <a:xfrm>
+            <a:off x="7081837" y="1931990"/>
+            <a:ext cx="4271963" cy="4217987"/>
+          </a:xfrm>
+        </p:spPr>
+        <p:txBody>
+          <a:bodyPr/>
+          <a:lstStyle/>
+          <a:p>
+            <a:pPr lvl="0"/>
+            <a:r>
+              <a:rPr lang="en-US" dirty="0"/>
+              <a:t>Click to edit Master text styles</a:t>
+            </a:r>
+          </a:p>
+          <a:p>
+            <a:pPr lvl="1"/>
+            <a:r>
+              <a:rPr lang="en-US" dirty="0"/>
+              <a:t>Second level</a:t>
+            </a:r>
+          </a:p>
+          <a:p>
+            <a:pPr lvl="2"/>
+            <a:r>
+              <a:rPr lang="en-US" dirty="0"/>
+              <a:t>Third level</a:t>
+            </a:r>
+          </a:p>
+          <a:p>
+            <a:pPr lvl="3"/>
+            <a:r>
+              <a:rPr lang="en-US" dirty="0"/>
+              <a:t>Fourth level</a:t>
+            </a:r>
+          </a:p>
+          <a:p>
+            <a:pPr lvl="4"/>
+            <a:r>
+              <a:rPr lang="en-US" dirty="0"/>
+              <a:t>Fifth level</a:t>
+            </a:r>
+            <a:endParaRPr lang="en-PH" dirty="0"/>
+          </a:p>
+        </p:txBody>
+      </p:sp>
+      <p:sp>
+        <p:nvSpPr>
+          <p:cNvPr id="9" name="Chart Placeholder 8">
+            <a:extLst>
+              <a:ext uri="{FF2B5EF4-FFF2-40B4-BE49-F238E27FC236}">
+                <a16:creationId xmlns:a16="http://schemas.microsoft.com/office/drawing/2014/main" id="{DD42AFF4-7A7B-E8D5-173D-2C3A2F2EB4EA}"/>
+              </a:ext>
+            </a:extLst>
+          </p:cNvPr>
+          <p:cNvSpPr>
+            <a:spLocks noGrp="1"/>
+          </p:cNvSpPr>
+          <p:nvPr>
+            <p:ph type="chart" sz="quarter" idx="13"/>
+          </p:nvPr>
+        </p:nvSpPr>
+        <p:spPr>
+          <a:xfrm>
+            <a:off x="838200" y="1931988"/>
+            <a:ext cx="6105525" cy="4217988"/>
+          </a:xfrm>
+          <a:solidFill>
+            <a:schemeClr val="bg1"/>
+          </a:solidFill>
+        </p:spPr>
+        <p:txBody>
+          <a:bodyPr/>
+          <a:lstStyle/>
+          <a:p>
+            <a:endParaRPr lang="en-PH"/>
+          </a:p>
+        </p:txBody>
+      </p:sp>
+      <p:sp>
+        <p:nvSpPr>
+          <p:cNvPr id="3" name="Rectangle 2">
+            <a:extLst>
+              <a:ext uri="{FF2B5EF4-FFF2-40B4-BE49-F238E27FC236}">
+                <a16:creationId xmlns:a16="http://schemas.microsoft.com/office/drawing/2014/main" id="{FDC589DB-7ADB-779D-E577-8F63EC40BCC8}"/>
+              </a:ext>
+            </a:extLst>
+          </p:cNvPr>
+          <p:cNvSpPr/>
+          <p:nvPr userDrawn="1"/>
+        </p:nvSpPr>
+        <p:spPr>
+          <a:xfrm>
+            <a:off x="838199" y="136525"/>
+            <a:ext cx="10515601" cy="923330"/>
+          </a:xfrm>
+          <a:prstGeom prst="rect">
+            <a:avLst/>
+          </a:prstGeom>
+          <a:noFill/>
+        </p:spPr>
+        <p:txBody>
+          <a:bodyPr wrap="square" lIns="91440" tIns="45720" rIns="91440" bIns="45720">
+            <a:spAutoFit/>
+          </a:bodyPr>
+          <a:lstStyle/>
+          <a:p>
+            <a:pPr algn="ctr"/>
+            <a:r>
+              <a:rPr lang="en-US" sz="5400" b="0" cap="none" spc="0" dirty="0">
+                <a:ln w="0"/>
+                <a:solidFill>
+                  <a:schemeClr val="tx1"/>
+                </a:solidFill>
+                <a:effectLst>
+                  <a:outerShdw blurRad="38100" dist="19050" dir="2700000" algn="tl" rotWithShape="0">
+                    <a:schemeClr val="dk1">
+                      <a:alpha val="40000"/>
+                    </a:schemeClr>
+                  </a:outerShdw>
+                </a:effectLst>
+              </a:rPr>
+              <a:t>Bar Chart-100%Stacked</a:t>
+            </a:r>
+          </a:p>
+        </p:txBody>
+      </p:sp>
+    </p:spTree>
+    <p:extLst>
+      <p:ext uri="{BB962C8B-B14F-4D97-AF65-F5344CB8AC3E}">
+        <p14:creationId xmlns:p14="http://schemas.microsoft.com/office/powerpoint/2010/main" val="2137164375"/>
+      </p:ext>
+    </p:extLst>
+  </p:cSld>
+  <p:clrMapOvr>
+    <a:masterClrMapping/>
+  </p:clrMapOvr>
+</p:sldLayout>
+</file>
+
+<file path=ppt/slideLayouts/slideLayout4.xml><?xml version="1.0" encoding="utf-8"?>
 <p:sldLayout xmlns:a="http://schemas.openxmlformats.org/drawingml/2006/main" xmlns:r="http://schemas.openxmlformats.org/officeDocument/2006/relationships" xmlns:p="http://schemas.openxmlformats.org/presentationml/2006/main" preserve="1" userDrawn="1">
   <p:cSld name="PieChartStandard">
     <p:spTree>
@@ -663,7 +920,7 @@
           <a:p>
             <a:fld id="{D1CC32D1-298F-460F-B7DD-1E078394D21F}" type="datetimeFigureOut">
               <a:rPr lang="en-PH" smtClean="0"/>
-              <a:t>3/6/2025</a:t>
+              <a:t>3/7/2025</a:t>
             </a:fld>
             <a:endParaRPr lang="en-PH"/>
           </a:p>
@@ -880,7 +1137,7 @@
 </p:sldLayout>
 </file>
 
-<file path=ppt/slideLayouts/slideLayout4.xml><?xml version="1.0" encoding="utf-8"?>
+<file path=ppt/slideLayouts/slideLayout5.xml><?xml version="1.0" encoding="utf-8"?>
 <p:sldLayout xmlns:a="http://schemas.openxmlformats.org/drawingml/2006/main" xmlns:r="http://schemas.openxmlformats.org/officeDocument/2006/relationships" xmlns:p="http://schemas.openxmlformats.org/presentationml/2006/main" preserve="1" userDrawn="1">
   <p:cSld name="PieChartDoughnut">
     <p:spTree>
@@ -920,7 +1177,7 @@
           <a:p>
             <a:fld id="{D1CC32D1-298F-460F-B7DD-1E078394D21F}" type="datetimeFigureOut">
               <a:rPr lang="en-PH" smtClean="0"/>
-              <a:t>3/6/2025</a:t>
+              <a:t>3/7/2025</a:t>
             </a:fld>
             <a:endParaRPr lang="en-PH"/>
           </a:p>
@@ -1137,7 +1394,7 @@
 </p:sldLayout>
 </file>
 
-<file path=ppt/slideLayouts/slideLayout5.xml><?xml version="1.0" encoding="utf-8"?>
+<file path=ppt/slideLayouts/slideLayout6.xml><?xml version="1.0" encoding="utf-8"?>
 <p:sldLayout xmlns:a="http://schemas.openxmlformats.org/drawingml/2006/main" xmlns:r="http://schemas.openxmlformats.org/officeDocument/2006/relationships" xmlns:p="http://schemas.openxmlformats.org/presentationml/2006/main" preserve="1" userDrawn="1">
   <p:cSld name="PieChartxStandard">
     <p:spTree>
@@ -1177,7 +1434,7 @@
           <a:p>
             <a:fld id="{D1CC32D1-298F-460F-B7DD-1E078394D21F}" type="datetimeFigureOut">
               <a:rPr lang="en-PH" smtClean="0"/>
-              <a:t>3/6/2025</a:t>
+              <a:t>3/7/2025</a:t>
             </a:fld>
             <a:endParaRPr lang="en-PH"/>
           </a:p>
@@ -1423,7 +1680,7 @@
 </p:sldLayout>
 </file>
 
-<file path=ppt/slideLayouts/slideLayout6.xml><?xml version="1.0" encoding="utf-8"?>
+<file path=ppt/slideLayouts/slideLayout7.xml><?xml version="1.0" encoding="utf-8"?>
 <p:sldLayout xmlns:a="http://schemas.openxmlformats.org/drawingml/2006/main" xmlns:r="http://schemas.openxmlformats.org/officeDocument/2006/relationships" xmlns:p="http://schemas.openxmlformats.org/presentationml/2006/main" preserve="1" userDrawn="1">
   <p:cSld name="PieChartxDoughnut">
     <p:spTree>
@@ -1463,7 +1720,7 @@
           <a:p>
             <a:fld id="{D1CC32D1-298F-460F-B7DD-1E078394D21F}" type="datetimeFigureOut">
               <a:rPr lang="en-PH" smtClean="0"/>
-              <a:t>3/6/2025</a:t>
+              <a:t>3/7/2025</a:t>
             </a:fld>
             <a:endParaRPr lang="en-PH"/>
           </a:p>
@@ -1709,7 +1966,7 @@
 </p:sldLayout>
 </file>
 
-<file path=ppt/slideLayouts/slideLayout7.xml><?xml version="1.0" encoding="utf-8"?>
+<file path=ppt/slideLayouts/slideLayout8.xml><?xml version="1.0" encoding="utf-8"?>
 <p:sldLayout xmlns:a="http://schemas.openxmlformats.org/drawingml/2006/main" xmlns:r="http://schemas.openxmlformats.org/officeDocument/2006/relationships" xmlns:p="http://schemas.openxmlformats.org/presentationml/2006/main" preserve="1" userDrawn="1">
   <p:cSld name="LineChart">
     <p:bg>
@@ -1757,7 +2014,7 @@
           <a:p>
             <a:fld id="{D1CC32D1-298F-460F-B7DD-1E078394D21F}" type="datetimeFigureOut">
               <a:rPr lang="en-PH" smtClean="0"/>
-              <a:t>3/6/2025</a:t>
+              <a:t>3/7/2025</a:t>
             </a:fld>
             <a:endParaRPr lang="en-PH"/>
           </a:p>
@@ -2144,7 +2401,7 @@
           <a:p>
             <a:fld id="{D1CC32D1-298F-460F-B7DD-1E078394D21F}" type="datetimeFigureOut">
               <a:rPr lang="en-PH" smtClean="0"/>
-              <a:t>3/6/2025</a:t>
+              <a:t>3/7/2025</a:t>
             </a:fld>
             <a:endParaRPr lang="en-PH"/>
           </a:p>
@@ -2251,11 +2508,12 @@
   <p:sldLayoutIdLst>
     <p:sldLayoutId id="2147483652" r:id="rId1"/>
     <p:sldLayoutId id="2147483655" r:id="rId2"/>
-    <p:sldLayoutId id="2147483653" r:id="rId3"/>
-    <p:sldLayoutId id="2147483656" r:id="rId4"/>
-    <p:sldLayoutId id="2147483657" r:id="rId5"/>
-    <p:sldLayoutId id="2147483658" r:id="rId6"/>
-    <p:sldLayoutId id="2147483654" r:id="rId7"/>
+    <p:sldLayoutId id="2147483659" r:id="rId3"/>
+    <p:sldLayoutId id="2147483653" r:id="rId4"/>
+    <p:sldLayoutId id="2147483656" r:id="rId5"/>
+    <p:sldLayoutId id="2147483657" r:id="rId6"/>
+    <p:sldLayoutId id="2147483658" r:id="rId7"/>
+    <p:sldLayoutId id="2147483654" r:id="rId8"/>
   </p:sldLayoutIdLst>
   <p:txStyles>
     <p:titleStyle>
